--- a/PRESENTATIONS/2023-09-tpac/2023-09-15-WoT-TPAC-Architecture-McCool.pptx
+++ b/PRESENTATIONS/2023-09-tpac/2023-09-15-WoT-TPAC-Architecture-McCool.pptx
@@ -145,7 +145,7 @@
   <pc:docChgLst>
     <pc:chgData name="Mccool, Michael" userId="9022b910-48f5-4b36-ad75-783e2c5f7356" providerId="ADAL" clId="{E7C62847-3FF7-4E5F-8A7B-8C3B39CEBB8F}"/>
     <pc:docChg chg="custSel addSld modSld">
-      <pc:chgData name="Mccool, Michael" userId="9022b910-48f5-4b36-ad75-783e2c5f7356" providerId="ADAL" clId="{E7C62847-3FF7-4E5F-8A7B-8C3B39CEBB8F}" dt="2023-09-14T17:47:19.739" v="4477" actId="20577"/>
+      <pc:chgData name="Mccool, Michael" userId="9022b910-48f5-4b36-ad75-783e2c5f7356" providerId="ADAL" clId="{E7C62847-3FF7-4E5F-8A7B-8C3B39CEBB8F}" dt="2023-09-15T14:41:11.535" v="5748" actId="313"/>
       <pc:docMkLst>
         <pc:docMk/>
       </pc:docMkLst>
@@ -288,7 +288,7 @@
         </pc:spChg>
       </pc:sldChg>
       <pc:sldChg chg="modSp new mod">
-        <pc:chgData name="Mccool, Michael" userId="9022b910-48f5-4b36-ad75-783e2c5f7356" providerId="ADAL" clId="{E7C62847-3FF7-4E5F-8A7B-8C3B39CEBB8F}" dt="2023-09-14T17:47:19.739" v="4477" actId="20577"/>
+        <pc:chgData name="Mccool, Michael" userId="9022b910-48f5-4b36-ad75-783e2c5f7356" providerId="ADAL" clId="{E7C62847-3FF7-4E5F-8A7B-8C3B39CEBB8F}" dt="2023-09-15T14:41:11.535" v="5748" actId="313"/>
         <pc:sldMkLst>
           <pc:docMk/>
           <pc:sldMk cId="684652216" sldId="262"/>
@@ -299,6 +299,14 @@
             <pc:docMk/>
             <pc:sldMk cId="684652216" sldId="262"/>
             <ac:spMk id="2" creationId="{13DF5C52-2030-55D7-1523-34A5863C9F81}"/>
+          </ac:spMkLst>
+        </pc:spChg>
+        <pc:spChg chg="mod">
+          <ac:chgData name="Mccool, Michael" userId="9022b910-48f5-4b36-ad75-783e2c5f7356" providerId="ADAL" clId="{E7C62847-3FF7-4E5F-8A7B-8C3B39CEBB8F}" dt="2023-09-15T14:41:11.535" v="5748" actId="313"/>
+          <ac:spMkLst>
+            <pc:docMk/>
+            <pc:sldMk cId="684652216" sldId="262"/>
+            <ac:spMk id="3" creationId="{BB9D5838-5F5A-C71D-BC1B-4966D7432891}"/>
           </ac:spMkLst>
         </pc:spChg>
       </pc:sldChg>
@@ -389,7 +397,7 @@
           <a:p>
             <a:fld id="{8389B5DD-0274-BF45-B4C5-62E173E8F634}" type="datetimeFigureOut">
               <a:rPr lang="en-US" smtClean="0"/>
-              <a:t>9/14/2023</a:t>
+              <a:t>9/15/2023</a:t>
             </a:fld>
             <a:endParaRPr lang="en-US"/>
           </a:p>
@@ -1005,7 +1013,7 @@
           <a:p>
             <a:fld id="{2F93E591-CC8D-C74E-8EED-098A7FB5E64D}" type="datetime1">
               <a:rPr lang="en-CA" smtClean="0"/>
-              <a:t>2023-09-14</a:t>
+              <a:t>2023-09-15</a:t>
             </a:fld>
             <a:endParaRPr lang="en-US"/>
           </a:p>
@@ -1273,7 +1281,7 @@
           <a:p>
             <a:fld id="{2E1BC118-574D-594E-ABEA-A7C82666C9AB}" type="datetime1">
               <a:rPr lang="en-CA" smtClean="0"/>
-              <a:t>2023-09-14</a:t>
+              <a:t>2023-09-15</a:t>
             </a:fld>
             <a:endParaRPr lang="en-US"/>
           </a:p>
@@ -1639,7 +1647,7 @@
           <a:p>
             <a:fld id="{B929AB1E-7FD9-0A40-B7C0-508CCACB3E9A}" type="datetime1">
               <a:rPr lang="en-CA" smtClean="0"/>
-              <a:t>2023-09-14</a:t>
+              <a:t>2023-09-15</a:t>
             </a:fld>
             <a:endParaRPr lang="en-US"/>
           </a:p>
@@ -1871,7 +1879,7 @@
           <a:p>
             <a:fld id="{5AE8723F-57EA-4C47-97B9-92AFDEEF85DC}" type="datetime1">
               <a:rPr lang="en-CA" smtClean="0"/>
-              <a:t>2023-09-14</a:t>
+              <a:t>2023-09-15</a:t>
             </a:fld>
             <a:endParaRPr lang="en-US"/>
           </a:p>
@@ -2201,7 +2209,7 @@
           <a:p>
             <a:fld id="{B2B00E5D-EC04-AA49-8D52-0FCB6E08F63D}" type="datetime1">
               <a:rPr lang="en-CA" smtClean="0"/>
-              <a:t>2023-09-14</a:t>
+              <a:t>2023-09-15</a:t>
             </a:fld>
             <a:endParaRPr lang="en-US"/>
           </a:p>
@@ -2674,7 +2682,7 @@
           <a:p>
             <a:fld id="{FF90905C-10FF-8047-AA7E-6DC7E8B6AF51}" type="datetime1">
               <a:rPr lang="en-CA" smtClean="0"/>
-              <a:t>2023-09-14</a:t>
+              <a:t>2023-09-15</a:t>
             </a:fld>
             <a:endParaRPr lang="en-US"/>
           </a:p>
@@ -2880,7 +2888,7 @@
           <a:p>
             <a:fld id="{D1CE86E2-4400-D342-BEEC-F9C1ADF6F9F7}" type="datetime1">
               <a:rPr lang="en-CA" smtClean="0"/>
-              <a:t>2023-09-14</a:t>
+              <a:t>2023-09-15</a:t>
             </a:fld>
             <a:endParaRPr lang="en-US"/>
           </a:p>
@@ -3050,7 +3058,7 @@
           <a:p>
             <a:fld id="{74358A08-7221-7F45-8378-69D5559861DD}" type="datetime1">
               <a:rPr lang="en-CA" smtClean="0"/>
-              <a:t>2023-09-14</a:t>
+              <a:t>2023-09-15</a:t>
             </a:fld>
             <a:endParaRPr lang="en-US"/>
           </a:p>
@@ -3422,7 +3430,7 @@
           <a:p>
             <a:fld id="{08C20FDB-303D-8A4E-83B7-226DD88B97BD}" type="datetime1">
               <a:rPr lang="en-CA" smtClean="0"/>
-              <a:t>2023-09-14</a:t>
+              <a:t>2023-09-15</a:t>
             </a:fld>
             <a:endParaRPr lang="en-US"/>
           </a:p>
@@ -3774,7 +3782,7 @@
           <a:p>
             <a:fld id="{0A9EBA37-9D18-D34A-A88D-1B00AA06E95C}" type="datetime1">
               <a:rPr lang="en-CA" smtClean="0"/>
-              <a:t>2023-09-14</a:t>
+              <a:t>2023-09-15</a:t>
             </a:fld>
             <a:endParaRPr lang="en-US"/>
           </a:p>
@@ -4114,7 +4122,7 @@
             <a:fld id="{B73A2E78-F38A-E046-ACDB-668F070D1EF6}" type="datetime1">
               <a:rPr lang="en-CA" smtClean="0"/>
               <a:pPr/>
-              <a:t>2023-09-14</a:t>
+              <a:t>2023-09-15</a:t>
             </a:fld>
             <a:endParaRPr lang="en-US" dirty="0"/>
           </a:p>
@@ -4725,7 +4733,7 @@
           <a:p>
             <a:fld id="{BF92DA42-2970-1B4D-9C1F-77F249CD7467}" type="datetime1">
               <a:rPr lang="en-CA" smtClean="0"/>
-              <a:t>2023-09-14</a:t>
+              <a:t>2023-09-15</a:t>
             </a:fld>
             <a:endParaRPr lang="en-US" dirty="0"/>
           </a:p>
@@ -5023,7 +5031,7 @@
           <a:p>
             <a:fld id="{B929AB1E-7FD9-0A40-B7C0-508CCACB3E9A}" type="datetime1">
               <a:rPr lang="en-CA" smtClean="0"/>
-              <a:t>2023-09-14</a:t>
+              <a:t>2023-09-15</a:t>
             </a:fld>
             <a:endParaRPr lang="en-US"/>
           </a:p>
@@ -5312,7 +5320,7 @@
           <a:p>
             <a:fld id="{B929AB1E-7FD9-0A40-B7C0-508CCACB3E9A}" type="datetime1">
               <a:rPr lang="en-CA" smtClean="0"/>
-              <a:t>2023-09-14</a:t>
+              <a:t>2023-09-15</a:t>
             </a:fld>
             <a:endParaRPr lang="en-US"/>
           </a:p>
@@ -5527,7 +5535,7 @@
           <a:p>
             <a:fld id="{B929AB1E-7FD9-0A40-B7C0-508CCACB3E9A}" type="datetime1">
               <a:rPr lang="en-CA" smtClean="0"/>
-              <a:t>2023-09-14</a:t>
+              <a:t>2023-09-15</a:t>
             </a:fld>
             <a:endParaRPr lang="en-US"/>
           </a:p>
@@ -5815,7 +5823,7 @@
           <a:p>
             <a:fld id="{B929AB1E-7FD9-0A40-B7C0-508CCACB3E9A}" type="datetime1">
               <a:rPr lang="en-CA" smtClean="0"/>
-              <a:t>2023-09-14</a:t>
+              <a:t>2023-09-15</a:t>
             </a:fld>
             <a:endParaRPr lang="en-US"/>
           </a:p>
@@ -5898,10 +5906,102 @@
         </p:nvSpPr>
         <p:spPr/>
         <p:txBody>
-          <a:bodyPr/>
-          <a:lstStyle/>
-          <a:p>
-            <a:endParaRPr lang="en-US"/>
+          <a:bodyPr>
+            <a:normAutofit fontScale="77500" lnSpcReduction="20000"/>
+          </a:bodyPr>
+          <a:lstStyle/>
+          <a:p>
+            <a:r>
+              <a:rPr lang="en-CA" dirty="0"/>
+              <a:t>Ege: ext have commented that explainer was important.  However, we are not explicit that this is a good starting point.  TAG has given feedback about normative content.  We also have done some work to return many assertions.</a:t>
+            </a:r>
+          </a:p>
+          <a:p>
+            <a:r>
+              <a:rPr lang="en-CA" dirty="0"/>
+              <a:t>MM: could say goal to “make informative if possible” but we have a lot of work to do still.</a:t>
+            </a:r>
+            <a:r>
+              <a:rPr lang="en-US" dirty="0"/>
+              <a:t>  Note UC would not be place for normative content…</a:t>
+            </a:r>
+          </a:p>
+          <a:p>
+            <a:r>
+              <a:rPr lang="en-US" dirty="0"/>
+              <a:t>Ege: we also need some role/process to avoid contradictions.</a:t>
+            </a:r>
+          </a:p>
+          <a:p>
+            <a:r>
+              <a:rPr lang="en-US" dirty="0"/>
+              <a:t>MM: Easier to avoid contradictions if docs do not have overlaps.</a:t>
+            </a:r>
+          </a:p>
+          <a:p>
+            <a:r>
+              <a:rPr lang="en-US" dirty="0" err="1"/>
+              <a:t>Kaz</a:t>
+            </a:r>
+            <a:r>
+              <a:rPr lang="en-US" dirty="0"/>
+              <a:t>: proposal in line with discussion.  Should consider restructuring of all docs.</a:t>
+            </a:r>
+          </a:p>
+          <a:p>
+            <a:r>
+              <a:rPr lang="en-US" dirty="0" err="1"/>
+              <a:t>Seb</a:t>
+            </a:r>
+            <a:r>
+              <a:rPr lang="en-US" dirty="0"/>
+              <a:t>: re entry point; in principle, but does it need to be a REC?  Or event a Note?  Can it just be a web page?  May also have different entry points for different kind of users: </a:t>
+            </a:r>
+            <a:r>
+              <a:rPr lang="en-US" dirty="0" err="1"/>
+              <a:t>devs</a:t>
+            </a:r>
+            <a:r>
+              <a:rPr lang="en-US" dirty="0"/>
+              <a:t>, business decision maker, researcher, etc.  They need to know different things.</a:t>
+            </a:r>
+          </a:p>
+          <a:p>
+            <a:r>
+              <a:rPr lang="en-US" dirty="0" err="1"/>
+              <a:t>Cris</a:t>
+            </a:r>
+            <a:r>
+              <a:rPr lang="en-US" dirty="0"/>
+              <a:t>: abstract servient, where would this move?  Charter says is REC?</a:t>
+            </a:r>
+          </a:p>
+          <a:p>
+            <a:r>
+              <a:rPr lang="en-US" dirty="0"/>
+              <a:t>MM: also other things we talk about but don’t really use, e.g. hypermedia</a:t>
+            </a:r>
+          </a:p>
+          <a:p>
+            <a:r>
+              <a:rPr lang="en-US" dirty="0" err="1"/>
+              <a:t>Kaz</a:t>
+            </a:r>
+            <a:r>
+              <a:rPr lang="en-US" dirty="0"/>
+              <a:t>: should we have a resolution on the plan? </a:t>
+            </a:r>
+          </a:p>
+          <a:p>
+            <a:r>
+              <a:rPr lang="en-US" dirty="0"/>
+              <a:t>MM: let’s put as a PR under “wot</a:t>
+            </a:r>
+            <a:r>
+              <a:rPr lang="en-US"/>
+              <a:t>/planning”</a:t>
+            </a:r>
+            <a:endParaRPr lang="en-CA" dirty="0"/>
           </a:p>
         </p:txBody>
       </p:sp>
@@ -5985,7 +6085,7 @@
           <a:p>
             <a:fld id="{B929AB1E-7FD9-0A40-B7C0-508CCACB3E9A}" type="datetime1">
               <a:rPr lang="en-CA" smtClean="0"/>
-              <a:t>2023-09-14</a:t>
+              <a:t>2023-09-15</a:t>
             </a:fld>
             <a:endParaRPr lang="en-US"/>
           </a:p>
